--- a/data-center-2017-c06.pptx
+++ b/data-center-2017-c06.pptx
@@ -5010,6 +5010,11 @@
           </a:bodyPr>
           <a:lstStyle/>
           <a:p>
+            <a:pPr>
+              <a:lnSpc>
+                <a:spcPct val="100000"/>
+              </a:lnSpc>
+            </a:pPr>
             <a:r>
               <a:rPr lang="zh-CN" altLang="en-US" dirty="0"/>
               <a:t>虚拟机集群服务质量保证</a:t>
@@ -5017,14 +5022,22 @@
             <a:endParaRPr lang="en-US" altLang="zh-CN" dirty="0"/>
           </a:p>
           <a:p>
-            <a:pPr lvl="1"/>
+            <a:pPr lvl="1">
+              <a:lnSpc>
+                <a:spcPct val="100000"/>
+              </a:lnSpc>
+            </a:pPr>
             <a:r>
               <a:rPr lang="en-US" altLang="zh-CN" dirty="0"/>
               <a:t>Customizable SLO and Its Near-Precise Enforcement for Storage Bandwidth[J]. ACM Transactions on Storage (TOS), 2017, 13(1): 6:1–6:25.</a:t>
             </a:r>
           </a:p>
           <a:p>
-            <a:pPr lvl="1"/>
+            <a:pPr lvl="1">
+              <a:lnSpc>
+                <a:spcPct val="100000"/>
+              </a:lnSpc>
+            </a:pPr>
             <a:r>
               <a:rPr lang="en-US" altLang="zh-CN" dirty="0"/>
               <a:t>PSLO: enforcing the </a:t>
@@ -5039,6 +5052,11 @@
             </a:r>
           </a:p>
           <a:p>
+            <a:pPr>
+              <a:lnSpc>
+                <a:spcPct val="100000"/>
+              </a:lnSpc>
+            </a:pPr>
             <a:endParaRPr lang="zh-CN" altLang="en-US" dirty="0"/>
           </a:p>
         </p:txBody>
@@ -5119,9 +5137,16 @@
         </p:nvSpPr>
         <p:spPr/>
         <p:txBody>
-          <a:bodyPr/>
-          <a:lstStyle/>
-          <a:p>
+          <a:bodyPr>
+            <a:normAutofit fontScale="70000" lnSpcReduction="20000"/>
+          </a:bodyPr>
+          <a:lstStyle/>
+          <a:p>
+            <a:pPr>
+              <a:lnSpc>
+                <a:spcPct val="120000"/>
+              </a:lnSpc>
+            </a:pPr>
             <a:r>
               <a:rPr lang="zh-CN" altLang="en-US" dirty="0"/>
               <a:t>虚拟化与容器技术，</a:t>
@@ -5140,7 +5165,11 @@
             </a:r>
           </a:p>
           <a:p>
-            <a:pPr lvl="1"/>
+            <a:pPr lvl="1">
+              <a:lnSpc>
+                <a:spcPct val="120000"/>
+              </a:lnSpc>
+            </a:pPr>
             <a:r>
               <a:rPr lang="zh-CN" altLang="en-US" dirty="0"/>
               <a:t>百机</a:t>
@@ -5148,6 +5177,11 @@
             <a:endParaRPr lang="en-US" altLang="zh-CN" dirty="0"/>
           </a:p>
           <a:p>
+            <a:pPr>
+              <a:lnSpc>
+                <a:spcPct val="120000"/>
+              </a:lnSpc>
+            </a:pPr>
             <a:r>
               <a:rPr lang="zh-CN" altLang="en-US" dirty="0"/>
               <a:t>几个小福利</a:t>
@@ -5155,14 +5189,33 @@
             <a:endParaRPr lang="en-US" altLang="zh-CN" dirty="0"/>
           </a:p>
           <a:p>
-            <a:pPr lvl="1"/>
+            <a:pPr lvl="1">
+              <a:lnSpc>
+                <a:spcPct val="120000"/>
+              </a:lnSpc>
+            </a:pPr>
             <a:r>
               <a:rPr lang="en-US" altLang="zh-CN" dirty="0"/>
               <a:t>Git-Tutorial</a:t>
             </a:r>
           </a:p>
           <a:p>
-            <a:pPr lvl="1"/>
+            <a:pPr lvl="2">
+              <a:lnSpc>
+                <a:spcPct val="120000"/>
+              </a:lnSpc>
+            </a:pPr>
+            <a:r>
+              <a:rPr lang="en-US" altLang="zh-CN" dirty="0"/>
+              <a:t>https://github.com/cs210-566/git-tutorial</a:t>
+            </a:r>
+          </a:p>
+          <a:p>
+            <a:pPr lvl="1">
+              <a:lnSpc>
+                <a:spcPct val="120000"/>
+              </a:lnSpc>
+            </a:pPr>
             <a:r>
               <a:rPr lang="en-US" altLang="zh-CN" dirty="0" err="1"/>
               <a:t>Tmux</a:t>
@@ -5173,20 +5226,66 @@
             </a:r>
           </a:p>
           <a:p>
-            <a:pPr lvl="1"/>
+            <a:pPr lvl="2">
+              <a:lnSpc>
+                <a:spcPct val="120000"/>
+              </a:lnSpc>
+            </a:pPr>
+            <a:r>
+              <a:rPr lang="en-US" altLang="zh-CN" dirty="0"/>
+              <a:t>https://github.com/cs210-566/tmux-tutorial</a:t>
+            </a:r>
+          </a:p>
+          <a:p>
+            <a:pPr lvl="1">
+              <a:lnSpc>
+                <a:spcPct val="120000"/>
+              </a:lnSpc>
+            </a:pPr>
             <a:r>
               <a:rPr lang="en-US" altLang="zh-CN" dirty="0"/>
               <a:t>Docker-Tutorial</a:t>
             </a:r>
           </a:p>
           <a:p>
-            <a:pPr lvl="1"/>
+            <a:pPr lvl="2">
+              <a:lnSpc>
+                <a:spcPct val="120000"/>
+              </a:lnSpc>
+            </a:pPr>
+            <a:r>
+              <a:rPr lang="en-US" altLang="zh-CN" dirty="0"/>
+              <a:t>https://github.com/cs210-566/docker-tutorial</a:t>
+            </a:r>
+          </a:p>
+          <a:p>
+            <a:pPr lvl="1">
+              <a:lnSpc>
+                <a:spcPct val="120000"/>
+              </a:lnSpc>
+            </a:pPr>
             <a:r>
               <a:rPr lang="en-US" altLang="zh-CN" dirty="0"/>
               <a:t>Vagrant-Presentation</a:t>
             </a:r>
           </a:p>
           <a:p>
+            <a:pPr lvl="2">
+              <a:lnSpc>
+                <a:spcPct val="120000"/>
+              </a:lnSpc>
+            </a:pPr>
+            <a:r>
+              <a:rPr lang="en-US" altLang="zh-CN" dirty="0"/>
+              <a:t>https://github.com/cs210-566/vagrant-presentation</a:t>
+            </a:r>
+          </a:p>
+          <a:p>
+            <a:pPr>
+              <a:lnSpc>
+                <a:spcPct val="120000"/>
+              </a:lnSpc>
+            </a:pPr>
             <a:r>
               <a:rPr lang="zh-CN" altLang="en-US" dirty="0"/>
               <a:t>往后请同学们按图索骥自己扩展学习</a:t>
@@ -5194,7 +5293,11 @@
             <a:endParaRPr lang="en-US" altLang="zh-CN" dirty="0"/>
           </a:p>
           <a:p>
-            <a:pPr lvl="1"/>
+            <a:pPr lvl="1">
+              <a:lnSpc>
+                <a:spcPct val="120000"/>
+              </a:lnSpc>
+            </a:pPr>
             <a:r>
               <a:rPr lang="zh-CN" altLang="en-US" dirty="0"/>
               <a:t>为师暂且帮诸君到这里</a:t>
@@ -5509,15 +5612,7 @@
             </a:r>
             <a:r>
               <a:rPr lang="en-US" altLang="zh-CN" sz="2000" dirty="0"/>
-              <a:t>Linux, </a:t>
-            </a:r>
-            <a:r>
-              <a:rPr lang="en-US" altLang="zh-CN" sz="2000" dirty="0" err="1"/>
-              <a:t>Git</a:t>
-            </a:r>
-            <a:r>
-              <a:rPr lang="en-US" altLang="zh-CN" sz="2000" dirty="0"/>
-              <a:t>, SSH, Python, OpenStack, Docker …</a:t>
+              <a:t>Linux, Git, SSH, Python, Vagrant, Docker …</a:t>
             </a:r>
             <a:endParaRPr lang="en-US" altLang="zh-CN" dirty="0"/>
           </a:p>

--- a/data-center-2017-c06.pptx
+++ b/data-center-2017-c06.pptx
@@ -5138,7 +5138,7 @@
         <p:spPr/>
         <p:txBody>
           <a:bodyPr>
-            <a:normAutofit fontScale="70000" lnSpcReduction="20000"/>
+            <a:normAutofit fontScale="55000" lnSpcReduction="20000"/>
           </a:bodyPr>
           <a:lstStyle/>
           <a:p>
@@ -5206,8 +5206,32 @@
               </a:lnSpc>
             </a:pPr>
             <a:r>
+              <a:rPr lang="en-US" altLang="zh-CN" dirty="0">
+                <a:hlinkClick r:id="rId2"/>
+              </a:rPr>
+              <a:t>https://github.com/cs210-566/git-tutorial</a:t>
+            </a:r>
+            <a:r>
               <a:rPr lang="en-US" altLang="zh-CN" dirty="0"/>
-              <a:t>https://github.com/cs210-566/git-tutorial</a:t>
+              <a:t> (</a:t>
+            </a:r>
+            <a:r>
+              <a:rPr lang="en-US" altLang="zh-CN" dirty="0">
+                <a:hlinkClick r:id="rId3"/>
+              </a:rPr>
+              <a:t>https://github.com/pel-daniel/git-init</a:t>
+            </a:r>
+            <a:r>
+              <a:rPr lang="en-US" altLang="zh-CN" dirty="0"/>
+              <a:t> @</a:t>
+            </a:r>
+            <a:r>
+              <a:rPr lang="en-US" altLang="zh-CN" dirty="0" err="1"/>
+              <a:t>lambdabricks</a:t>
+            </a:r>
+            <a:r>
+              <a:rPr lang="en-US" altLang="zh-CN" dirty="0"/>
+              <a:t>)</a:t>
             </a:r>
           </a:p>
           <a:p>
@@ -5232,8 +5256,32 @@
               </a:lnSpc>
             </a:pPr>
             <a:r>
+              <a:rPr lang="en-US" altLang="zh-CN" dirty="0">
+                <a:hlinkClick r:id="rId4"/>
+              </a:rPr>
+              <a:t>https://github.com/cs210-566/tmux-tutorial</a:t>
+            </a:r>
+            <a:r>
               <a:rPr lang="en-US" altLang="zh-CN" dirty="0"/>
-              <a:t>https://github.com/cs210-566/tmux-tutorial</a:t>
+              <a:t> (</a:t>
+            </a:r>
+            <a:r>
+              <a:rPr lang="en-US" altLang="zh-CN" dirty="0">
+                <a:hlinkClick r:id="rId5"/>
+              </a:rPr>
+              <a:t>https://github.com/perlpunk/tmuxtutor</a:t>
+            </a:r>
+            <a:r>
+              <a:rPr lang="en-US" altLang="zh-CN" dirty="0"/>
+              <a:t> @</a:t>
+            </a:r>
+            <a:r>
+              <a:rPr lang="en-US" altLang="zh-CN" dirty="0" err="1"/>
+              <a:t>perlpunk</a:t>
+            </a:r>
+            <a:r>
+              <a:rPr lang="en-US" altLang="zh-CN" dirty="0"/>
+              <a:t>)</a:t>
             </a:r>
           </a:p>
           <a:p>
@@ -5254,8 +5302,32 @@
               </a:lnSpc>
             </a:pPr>
             <a:r>
+              <a:rPr lang="en-US" altLang="zh-CN" dirty="0">
+                <a:hlinkClick r:id="rId6"/>
+              </a:rPr>
+              <a:t>https://github.com/cs210-566/docker-tutorial</a:t>
+            </a:r>
+            <a:r>
               <a:rPr lang="en-US" altLang="zh-CN" dirty="0"/>
-              <a:t>https://github.com/cs210-566/docker-tutorial</a:t>
+              <a:t> (</a:t>
+            </a:r>
+            <a:r>
+              <a:rPr lang="en-US" altLang="zh-CN" dirty="0">
+                <a:hlinkClick r:id="rId7"/>
+              </a:rPr>
+              <a:t>https://github.com/osteel/docker-tutorial-2</a:t>
+            </a:r>
+            <a:r>
+              <a:rPr lang="en-US" altLang="zh-CN" dirty="0"/>
+              <a:t> @</a:t>
+            </a:r>
+            <a:r>
+              <a:rPr lang="en-US" altLang="zh-CN" dirty="0" err="1"/>
+              <a:t>osteel</a:t>
+            </a:r>
+            <a:r>
+              <a:rPr lang="en-US" altLang="zh-CN" dirty="0"/>
+              <a:t>)</a:t>
             </a:r>
           </a:p>
           <a:p>
@@ -5276,8 +5348,80 @@
               </a:lnSpc>
             </a:pPr>
             <a:r>
+              <a:rPr lang="en-US" altLang="zh-CN" dirty="0">
+                <a:hlinkClick r:id="rId8"/>
+              </a:rPr>
+              <a:t>https://github.com/cs210-566/vagrant-presentation</a:t>
+            </a:r>
+            <a:r>
               <a:rPr lang="en-US" altLang="zh-CN" dirty="0"/>
-              <a:t>https://github.com/cs210-566/vagrant-presentation</a:t>
+              <a:t> (</a:t>
+            </a:r>
+            <a:r>
+              <a:rPr lang="en-US" altLang="zh-CN" dirty="0">
+                <a:hlinkClick r:id="rId9"/>
+              </a:rPr>
+              <a:t>https://github.com/bertvv/vagrant-presentation</a:t>
+            </a:r>
+            <a:r>
+              <a:rPr lang="en-US" altLang="zh-CN" dirty="0"/>
+              <a:t> @</a:t>
+            </a:r>
+            <a:r>
+              <a:rPr lang="en-US" altLang="zh-CN" dirty="0" err="1"/>
+              <a:t>bertvv</a:t>
+            </a:r>
+            <a:r>
+              <a:rPr lang="en-US" altLang="zh-CN" dirty="0"/>
+              <a:t>)</a:t>
+            </a:r>
+          </a:p>
+          <a:p>
+            <a:pPr lvl="1">
+              <a:lnSpc>
+                <a:spcPct val="120000"/>
+              </a:lnSpc>
+            </a:pPr>
+            <a:r>
+              <a:rPr lang="en-US" altLang="zh-CN" dirty="0"/>
+              <a:t>Vagrant Tutorial</a:t>
+            </a:r>
+          </a:p>
+          <a:p>
+            <a:pPr lvl="2">
+              <a:lnSpc>
+                <a:spcPct val="120000"/>
+              </a:lnSpc>
+            </a:pPr>
+            <a:r>
+              <a:rPr lang="en-US" altLang="zh-CN" dirty="0">
+                <a:hlinkClick r:id="rId10"/>
+              </a:rPr>
+              <a:t>https://github.com/cs210-566/vagrant-tutorial</a:t>
+            </a:r>
+            <a:r>
+              <a:rPr lang="en-US" altLang="zh-CN" dirty="0"/>
+              <a:t> (</a:t>
+            </a:r>
+            <a:r>
+              <a:rPr lang="en-US" altLang="zh-CN" dirty="0">
+                <a:hlinkClick r:id="rId11"/>
+              </a:rPr>
+              <a:t>https://github.com/ShiZhan/ubuntu-xenial-amd64-docker-cluster</a:t>
+            </a:r>
+            <a:r>
+              <a:rPr lang="en-US" altLang="zh-CN" dirty="0"/>
+              <a:t> </a:t>
+            </a:r>
+            <a:r>
+              <a:rPr lang="en-US" altLang="zh-CN" dirty="0">
+                <a:hlinkClick r:id="rId12"/>
+              </a:rPr>
+              <a:t>ME</a:t>
+            </a:r>
+            <a:r>
+              <a:rPr lang="en-US" altLang="zh-CN" dirty="0"/>
+              <a:t>)</a:t>
             </a:r>
           </a:p>
           <a:p>
